--- a/wiki/other/Webservice framework comparison.pptx
+++ b/wiki/other/Webservice framework comparison.pptx
@@ -18,7 +18,6 @@
     <p:sldId id="262" r:id="rId12"/>
     <p:sldId id="263" r:id="rId13"/>
     <p:sldId id="267" r:id="rId14"/>
-    <p:sldId id="268" r:id="rId15"/>
   </p:sldIdLst>
   <p:sldSz cx="9144000" cy="6858000" type="screen4x3"/>
   <p:notesSz cx="6858000" cy="9144000"/>
@@ -2877,7 +2876,7 @@
           <a:p>
             <a:fld id="{3F464D20-A21F-42D3-A2F8-482DD3ABA713}" type="datetimeFigureOut">
               <a:rPr lang="de-DE" smtClean="0"/>
-              <a:t>12.07.2011</a:t>
+              <a:t>17.07.2011</a:t>
             </a:fld>
             <a:endParaRPr lang="de-DE"/>
           </a:p>
@@ -3162,7 +3161,7 @@
           <a:p>
             <a:fld id="{3F464D20-A21F-42D3-A2F8-482DD3ABA713}" type="datetimeFigureOut">
               <a:rPr lang="de-DE" smtClean="0"/>
-              <a:t>12.07.2011</a:t>
+              <a:t>17.07.2011</a:t>
             </a:fld>
             <a:endParaRPr lang="de-DE"/>
           </a:p>
@@ -3337,7 +3336,7 @@
           <a:p>
             <a:fld id="{3F464D20-A21F-42D3-A2F8-482DD3ABA713}" type="datetimeFigureOut">
               <a:rPr lang="de-DE" smtClean="0"/>
-              <a:t>12.07.2011</a:t>
+              <a:t>17.07.2011</a:t>
             </a:fld>
             <a:endParaRPr lang="de-DE"/>
           </a:p>
@@ -3502,7 +3501,7 @@
           <a:p>
             <a:fld id="{3F464D20-A21F-42D3-A2F8-482DD3ABA713}" type="datetimeFigureOut">
               <a:rPr lang="de-DE" smtClean="0"/>
-              <a:t>12.07.2011</a:t>
+              <a:t>17.07.2011</a:t>
             </a:fld>
             <a:endParaRPr lang="de-DE"/>
           </a:p>
@@ -3743,7 +3742,7 @@
           <a:p>
             <a:fld id="{3F464D20-A21F-42D3-A2F8-482DD3ABA713}" type="datetimeFigureOut">
               <a:rPr lang="de-DE" smtClean="0"/>
-              <a:t>12.07.2011</a:t>
+              <a:t>17.07.2011</a:t>
             </a:fld>
             <a:endParaRPr lang="de-DE"/>
           </a:p>
@@ -3856,7 +3855,7 @@
           <a:p>
             <a:fld id="{3F464D20-A21F-42D3-A2F8-482DD3ABA713}" type="datetimeFigureOut">
               <a:rPr lang="de-DE" smtClean="0"/>
-              <a:t>12.07.2011</a:t>
+              <a:t>17.07.2011</a:t>
             </a:fld>
             <a:endParaRPr lang="de-DE"/>
           </a:p>
@@ -4395,7 +4394,7 @@
           <a:p>
             <a:fld id="{3F464D20-A21F-42D3-A2F8-482DD3ABA713}" type="datetimeFigureOut">
               <a:rPr lang="de-DE" smtClean="0"/>
-              <a:t>12.07.2011</a:t>
+              <a:t>17.07.2011</a:t>
             </a:fld>
             <a:endParaRPr lang="de-DE"/>
           </a:p>
@@ -4508,7 +4507,7 @@
           <a:p>
             <a:fld id="{3F464D20-A21F-42D3-A2F8-482DD3ABA713}" type="datetimeFigureOut">
               <a:rPr lang="de-DE" smtClean="0"/>
-              <a:t>12.07.2011</a:t>
+              <a:t>17.07.2011</a:t>
             </a:fld>
             <a:endParaRPr lang="de-DE"/>
           </a:p>
@@ -4598,7 +4597,7 @@
           <a:p>
             <a:fld id="{3F464D20-A21F-42D3-A2F8-482DD3ABA713}" type="datetimeFigureOut">
               <a:rPr lang="de-DE" smtClean="0"/>
-              <a:t>12.07.2011</a:t>
+              <a:t>17.07.2011</a:t>
             </a:fld>
             <a:endParaRPr lang="de-DE"/>
           </a:p>
@@ -7249,7 +7248,7 @@
           <a:p>
             <a:fld id="{3F464D20-A21F-42D3-A2F8-482DD3ABA713}" type="datetimeFigureOut">
               <a:rPr lang="de-DE" smtClean="0"/>
-              <a:t>12.07.2011</a:t>
+              <a:t>17.07.2011</a:t>
             </a:fld>
             <a:endParaRPr lang="de-DE"/>
           </a:p>
@@ -10461,7 +10460,7 @@
           <a:p>
             <a:fld id="{3F464D20-A21F-42D3-A2F8-482DD3ABA713}" type="datetimeFigureOut">
               <a:rPr lang="de-DE" smtClean="0"/>
-              <a:t>12.07.2011</a:t>
+              <a:t>17.07.2011</a:t>
             </a:fld>
             <a:endParaRPr lang="de-DE"/>
           </a:p>
@@ -13283,7 +13282,7 @@
           <a:p>
             <a:fld id="{3F464D20-A21F-42D3-A2F8-482DD3ABA713}" type="datetimeFigureOut">
               <a:rPr lang="de-DE" smtClean="0"/>
-              <a:t>12.07.2011</a:t>
+              <a:t>17.07.2011</a:t>
             </a:fld>
             <a:endParaRPr lang="de-DE"/>
           </a:p>
@@ -13753,10 +13752,28 @@
         </p:nvSpPr>
         <p:spPr/>
         <p:txBody>
-          <a:bodyPr/>
+          <a:bodyPr>
+            <a:normAutofit fontScale="90000"/>
+          </a:bodyPr>
           <a:lstStyle/>
           <a:p>
-            <a:endParaRPr lang="de-DE"/>
+            <a:r>
+              <a:rPr lang="de-DE" dirty="0" err="1" smtClean="0"/>
+              <a:t>Comparison</a:t>
+            </a:r>
+            <a:r>
+              <a:rPr lang="de-DE" dirty="0" smtClean="0"/>
+              <a:t> Jersey </a:t>
+            </a:r>
+            <a:r>
+              <a:rPr lang="de-DE" dirty="0" err="1" smtClean="0"/>
+              <a:t>and</a:t>
+            </a:r>
+            <a:r>
+              <a:rPr lang="de-DE" dirty="0" smtClean="0"/>
+              <a:t> Apache CXF</a:t>
+            </a:r>
+            <a:endParaRPr lang="de-DE" dirty="0"/>
           </a:p>
         </p:txBody>
       </p:sp>
@@ -13775,7 +13792,19 @@
           <a:bodyPr/>
           <a:lstStyle/>
           <a:p>
-            <a:endParaRPr lang="de-DE"/>
+            <a:r>
+              <a:rPr lang="de-DE" dirty="0" err="1" smtClean="0"/>
+              <a:t>RESTful</a:t>
+            </a:r>
+            <a:r>
+              <a:rPr lang="de-DE" dirty="0" smtClean="0"/>
+              <a:t> </a:t>
+            </a:r>
+            <a:r>
+              <a:rPr lang="de-DE" dirty="0" err="1" smtClean="0"/>
+              <a:t>webservices</a:t>
+            </a:r>
+            <a:endParaRPr lang="de-DE" dirty="0"/>
           </a:p>
         </p:txBody>
       </p:sp>
@@ -13874,7 +13903,9 @@
         </p:nvSpPr>
         <p:spPr/>
         <p:txBody>
-          <a:bodyPr/>
+          <a:bodyPr>
+            <a:normAutofit fontScale="92500" lnSpcReduction="10000"/>
+          </a:bodyPr>
           <a:lstStyle/>
           <a:p>
             <a:r>
@@ -13890,9 +13921,48 @@
             </a:r>
           </a:p>
           <a:p>
+            <a:pPr lvl="2"/>
+            <a:r>
+              <a:rPr lang="de-DE" dirty="0" smtClean="0"/>
+              <a:t>interoperable </a:t>
+            </a:r>
+            <a:r>
+              <a:rPr lang="de-DE" dirty="0" err="1" smtClean="0"/>
+              <a:t>with</a:t>
+            </a:r>
+            <a:r>
+              <a:rPr lang="de-DE" dirty="0" smtClean="0"/>
+              <a:t> Apache CXFs XML </a:t>
+            </a:r>
+            <a:r>
+              <a:rPr lang="de-DE" dirty="0" err="1" smtClean="0"/>
+              <a:t>translation</a:t>
+            </a:r>
+            <a:endParaRPr lang="de-DE" dirty="0" smtClean="0"/>
+          </a:p>
+          <a:p>
             <a:r>
               <a:rPr lang="de-DE" dirty="0" smtClean="0"/>
               <a:t>JSON</a:t>
+            </a:r>
+          </a:p>
+          <a:p>
+            <a:pPr lvl="1"/>
+            <a:r>
+              <a:rPr lang="de-DE" dirty="0" smtClean="0"/>
+              <a:t>not interoperable </a:t>
+            </a:r>
+            <a:r>
+              <a:rPr lang="de-DE" dirty="0" err="1" smtClean="0"/>
+              <a:t>with</a:t>
+            </a:r>
+            <a:r>
+              <a:rPr lang="de-DE" dirty="0" smtClean="0"/>
+              <a:t> Apache CXFs JSON </a:t>
+            </a:r>
+            <a:r>
+              <a:rPr lang="de-DE" dirty="0" err="1" smtClean="0"/>
+              <a:t>translation</a:t>
             </a:r>
             <a:endParaRPr lang="de-DE" dirty="0"/>
           </a:p>
@@ -13931,24 +14001,50 @@
             <p:ph sz="quarter" idx="4"/>
           </p:nvPr>
         </p:nvSpPr>
-        <p:spPr/>
+        <p:spPr>
+          <a:xfrm>
+            <a:off x="4645152" y="2974694"/>
+            <a:ext cx="3419856" cy="3334626"/>
+          </a:xfrm>
+        </p:spPr>
         <p:txBody>
           <a:bodyPr>
-            <a:normAutofit fontScale="85000" lnSpcReduction="20000"/>
+            <a:normAutofit fontScale="70000" lnSpcReduction="20000"/>
           </a:bodyPr>
           <a:lstStyle/>
           <a:p>
             <a:r>
               <a:rPr lang="de-DE" dirty="0" smtClean="0"/>
-              <a:t>XML</a:t>
+              <a:t>XML </a:t>
             </a:r>
           </a:p>
           <a:p>
             <a:pPr lvl="1"/>
             <a:r>
+              <a:rPr lang="de-DE" dirty="0"/>
+              <a:t>JAXB </a:t>
+            </a:r>
+            <a:endParaRPr lang="de-DE" dirty="0" smtClean="0"/>
+          </a:p>
+          <a:p>
+            <a:pPr lvl="2"/>
+            <a:r>
               <a:rPr lang="de-DE" dirty="0" smtClean="0"/>
-              <a:t>JAXB</a:t>
-            </a:r>
+              <a:t>interoperable </a:t>
+            </a:r>
+            <a:r>
+              <a:rPr lang="de-DE" dirty="0" err="1"/>
+              <a:t>with</a:t>
+            </a:r>
+            <a:r>
+              <a:rPr lang="de-DE" dirty="0"/>
+              <a:t> Jerseys XML </a:t>
+            </a:r>
+            <a:r>
+              <a:rPr lang="de-DE" dirty="0" err="1" smtClean="0"/>
+              <a:t>transformation</a:t>
+            </a:r>
+            <a:endParaRPr lang="de-DE" dirty="0" smtClean="0"/>
           </a:p>
           <a:p>
             <a:pPr lvl="1"/>
@@ -13964,7 +14060,7 @@
               <a:rPr lang="de-DE" dirty="0" err="1" smtClean="0"/>
               <a:t>Aegis</a:t>
             </a:r>
-            <a:endParaRPr lang="de-DE" smtClean="0"/>
+            <a:endParaRPr lang="de-DE" dirty="0" smtClean="0"/>
           </a:p>
           <a:p>
             <a:pPr lvl="1"/>
@@ -13973,8 +14069,84 @@
           <a:p>
             <a:r>
               <a:rPr lang="de-DE" dirty="0" smtClean="0"/>
-              <a:t>JSON</a:t>
-            </a:r>
+              <a:t>JSON </a:t>
+            </a:r>
+          </a:p>
+          <a:p>
+            <a:pPr lvl="1"/>
+            <a:r>
+              <a:rPr lang="de-DE" dirty="0" smtClean="0"/>
+              <a:t>not interoperable </a:t>
+            </a:r>
+            <a:r>
+              <a:rPr lang="de-DE" dirty="0" err="1" smtClean="0"/>
+              <a:t>with</a:t>
+            </a:r>
+            <a:r>
+              <a:rPr lang="de-DE" dirty="0" smtClean="0"/>
+              <a:t> Jerseys JSON </a:t>
+            </a:r>
+            <a:r>
+              <a:rPr lang="de-DE" dirty="0" err="1" smtClean="0"/>
+              <a:t>translation</a:t>
+            </a:r>
+            <a:endParaRPr lang="de-DE" dirty="0" smtClean="0"/>
+          </a:p>
+          <a:p>
+            <a:pPr lvl="1"/>
+            <a:r>
+              <a:rPr lang="de-DE" dirty="0" err="1" smtClean="0"/>
+              <a:t>Does</a:t>
+            </a:r>
+            <a:r>
+              <a:rPr lang="de-DE" dirty="0" smtClean="0"/>
+              <a:t> not </a:t>
+            </a:r>
+            <a:r>
+              <a:rPr lang="de-DE" dirty="0" err="1" smtClean="0"/>
+              <a:t>support</a:t>
+            </a:r>
+            <a:r>
+              <a:rPr lang="de-DE" dirty="0" smtClean="0"/>
+              <a:t> </a:t>
+            </a:r>
+            <a:r>
+              <a:rPr lang="de-DE" dirty="0" err="1" smtClean="0"/>
+              <a:t>list</a:t>
+            </a:r>
+            <a:r>
+              <a:rPr lang="de-DE" dirty="0" smtClean="0"/>
+              <a:t> </a:t>
+            </a:r>
+            <a:r>
+              <a:rPr lang="de-DE" dirty="0" err="1" smtClean="0"/>
+              <a:t>and</a:t>
+            </a:r>
+            <a:r>
+              <a:rPr lang="de-DE" dirty="0" smtClean="0"/>
+              <a:t> </a:t>
+            </a:r>
+            <a:r>
+              <a:rPr lang="de-DE" dirty="0" err="1" smtClean="0"/>
+              <a:t>other</a:t>
+            </a:r>
+            <a:r>
+              <a:rPr lang="de-DE" dirty="0" smtClean="0"/>
+              <a:t> </a:t>
+            </a:r>
+            <a:r>
+              <a:rPr lang="de-DE" dirty="0" err="1" smtClean="0"/>
+              <a:t>collection</a:t>
+            </a:r>
+            <a:r>
+              <a:rPr lang="de-DE" dirty="0" smtClean="0"/>
+              <a:t> </a:t>
+            </a:r>
+            <a:r>
+              <a:rPr lang="de-DE" dirty="0" err="1" smtClean="0"/>
+              <a:t>interfaces</a:t>
+            </a:r>
+            <a:endParaRPr lang="de-DE" dirty="0" smtClean="0"/>
           </a:p>
           <a:p>
             <a:endParaRPr lang="de-DE" dirty="0"/>
@@ -13984,14 +14156,14 @@
               <a:rPr lang="de-DE" dirty="0" smtClean="0">
                 <a:hlinkClick r:id="rId2"/>
               </a:rPr>
-              <a:t>http://cxf.apache.org/docs/jax-rs-data-bindings.html</a:t>
-            </a:r>
-            <a:endParaRPr lang="de-DE" dirty="0" smtClean="0"/>
-          </a:p>
-          <a:p>
-            <a:endParaRPr lang="de-DE" dirty="0" smtClean="0"/>
-          </a:p>
-          <a:p>
+              <a:t>http://</a:t>
+            </a:r>
+            <a:r>
+              <a:rPr lang="de-DE" dirty="0" smtClean="0">
+                <a:hlinkClick r:id="rId2"/>
+              </a:rPr>
+              <a:t>cxf.apache.org/docs/jax-rs-data-bindings.html</a:t>
+            </a:r>
             <a:endParaRPr lang="de-DE" dirty="0" smtClean="0"/>
           </a:p>
           <a:p>
@@ -14106,13 +14278,90 @@
         </p:nvSpPr>
         <p:spPr/>
         <p:txBody>
-          <a:bodyPr/>
+          <a:bodyPr>
+            <a:normAutofit fontScale="77500" lnSpcReduction="20000"/>
+          </a:bodyPr>
           <a:lstStyle/>
           <a:p>
             <a:r>
+              <a:rPr lang="de-DE" dirty="0" err="1" smtClean="0"/>
+              <a:t>OAuth</a:t>
+            </a:r>
+            <a:endParaRPr lang="de-DE" dirty="0" smtClean="0"/>
+          </a:p>
+          <a:p>
+            <a:pPr lvl="1"/>
+            <a:r>
+              <a:rPr lang="de-DE" dirty="0" smtClean="0">
+                <a:hlinkClick r:id="rId2"/>
+              </a:rPr>
+              <a:t>http</a:t>
+            </a:r>
+            <a:r>
+              <a:rPr lang="de-DE" dirty="0">
+                <a:hlinkClick r:id="rId2"/>
+              </a:rPr>
+              <a:t>://</a:t>
+            </a:r>
+            <a:r>
+              <a:rPr lang="de-DE" dirty="0" smtClean="0">
+                <a:hlinkClick r:id="rId2"/>
+              </a:rPr>
+              <a:t>developers.sun.com/identity/reference/techart/restwebservices.html</a:t>
+            </a:r>
+            <a:endParaRPr lang="de-DE" dirty="0" smtClean="0"/>
+          </a:p>
+          <a:p>
+            <a:r>
+              <a:rPr lang="de-DE" dirty="0">
+                <a:hlinkClick r:id="rId3"/>
+              </a:rPr>
+              <a:t>http://www.ericonjava.com/?</a:t>
+            </a:r>
+            <a:r>
+              <a:rPr lang="de-DE" dirty="0" smtClean="0">
+                <a:hlinkClick r:id="rId3"/>
+              </a:rPr>
+              <a:t>p=325</a:t>
+            </a:r>
+            <a:endParaRPr lang="de-DE" dirty="0" smtClean="0"/>
+          </a:p>
+          <a:p>
+            <a:r>
               <a:rPr lang="de-DE" dirty="0" smtClean="0"/>
-              <a:t>???</a:t>
-            </a:r>
+              <a:t>HTTPS</a:t>
+            </a:r>
+          </a:p>
+          <a:p>
+            <a:pPr lvl="1"/>
+            <a:r>
+              <a:rPr lang="de-DE" dirty="0" smtClean="0">
+                <a:hlinkClick r:id="rId4"/>
+              </a:rPr>
+              <a:t>http</a:t>
+            </a:r>
+            <a:r>
+              <a:rPr lang="de-DE" dirty="0">
+                <a:hlinkClick r:id="rId4"/>
+              </a:rPr>
+              <a:t>://</a:t>
+            </a:r>
+            <a:r>
+              <a:rPr lang="de-DE" dirty="0" smtClean="0">
+                <a:hlinkClick r:id="rId4"/>
+              </a:rPr>
+              <a:t>jersey.java.net/nonav/documentation/latest/user-guide.html#d4e784</a:t>
+            </a:r>
+            <a:endParaRPr lang="de-DE" dirty="0" smtClean="0"/>
+          </a:p>
+          <a:p>
+            <a:pPr lvl="1"/>
+            <a:endParaRPr lang="de-DE" dirty="0" smtClean="0"/>
+          </a:p>
+          <a:p>
+            <a:endParaRPr lang="de-DE" dirty="0"/>
+          </a:p>
+          <a:p>
             <a:endParaRPr lang="de-DE" dirty="0"/>
           </a:p>
         </p:txBody>
@@ -14163,7 +14412,7 @@
           <a:p>
             <a:r>
               <a:rPr lang="de-DE" dirty="0" smtClean="0">
-                <a:hlinkClick r:id="rId2"/>
+                <a:hlinkClick r:id="rId5"/>
               </a:rPr>
               <a:t>http://cxf.apache.org/docs/secure-jax-rs-services.html</a:t>
             </a:r>
@@ -14289,8 +14538,8 @@
           <a:lstStyle/>
           <a:p>
             <a:r>
-              <a:rPr lang="de-DE" dirty="0" smtClean="0"/>
-              <a:t>???</a:t>
+              <a:rPr lang="de-DE" dirty="0" err="1" smtClean="0"/>
+              <a:t>no</a:t>
             </a:r>
             <a:endParaRPr lang="de-DE" dirty="0"/>
           </a:p>
@@ -14331,7 +14580,9 @@
         </p:nvSpPr>
         <p:spPr/>
         <p:txBody>
-          <a:bodyPr/>
+          <a:bodyPr>
+            <a:normAutofit fontScale="92500" lnSpcReduction="20000"/>
+          </a:bodyPr>
           <a:lstStyle/>
           <a:p>
             <a:r>
@@ -14344,7 +14595,63 @@
               <a:rPr lang="de-DE" dirty="0" smtClean="0">
                 <a:hlinkClick r:id="rId2"/>
               </a:rPr>
-              <a:t>http://cxf.apache.org/docs/jax-rs-and-jax-ws.html</a:t>
+              <a:t>http://</a:t>
+            </a:r>
+            <a:r>
+              <a:rPr lang="de-DE" dirty="0" smtClean="0">
+                <a:hlinkClick r:id="rId2"/>
+              </a:rPr>
+              <a:t>cxf.apache.org/docs/jax-rs-and-jax-ws.html</a:t>
+            </a:r>
+            <a:endParaRPr lang="de-DE" dirty="0" smtClean="0"/>
+          </a:p>
+          <a:p>
+            <a:endParaRPr lang="de-DE" dirty="0"/>
+          </a:p>
+          <a:p>
+            <a:r>
+              <a:rPr lang="de-DE" dirty="0" smtClean="0"/>
+              <a:t>(Apache CXF </a:t>
+            </a:r>
+            <a:r>
+              <a:rPr lang="de-DE" dirty="0" err="1" smtClean="0"/>
+              <a:t>allows</a:t>
+            </a:r>
+            <a:r>
+              <a:rPr lang="de-DE" dirty="0" smtClean="0"/>
+              <a:t> </a:t>
+            </a:r>
+            <a:r>
+              <a:rPr lang="de-DE" dirty="0" err="1" smtClean="0"/>
+              <a:t>to</a:t>
+            </a:r>
+            <a:r>
+              <a:rPr lang="de-DE" dirty="0" smtClean="0"/>
+              <a:t> </a:t>
+            </a:r>
+            <a:r>
+              <a:rPr lang="de-DE" dirty="0" err="1" smtClean="0"/>
+              <a:t>integrate</a:t>
+            </a:r>
+            <a:r>
+              <a:rPr lang="de-DE" dirty="0" smtClean="0"/>
+              <a:t> </a:t>
+            </a:r>
+            <a:r>
+              <a:rPr lang="de-DE" dirty="0" err="1" smtClean="0"/>
+              <a:t>into</a:t>
+            </a:r>
+            <a:r>
+              <a:rPr lang="de-DE" dirty="0" smtClean="0"/>
+              <a:t> a Enterprise Service Bus </a:t>
+            </a:r>
+            <a:r>
+              <a:rPr lang="de-DE" dirty="0" err="1" smtClean="0"/>
+              <a:t>concept</a:t>
+            </a:r>
+            <a:r>
+              <a:rPr lang="de-DE" dirty="0" smtClean="0"/>
+              <a:t>)</a:t>
             </a:r>
             <a:endParaRPr lang="de-DE" dirty="0" smtClean="0"/>
           </a:p>
@@ -14443,14 +14750,14 @@
       </p:sp>
       <p:pic>
         <p:nvPicPr>
-          <p:cNvPr id="1031" name="Picture 7"/>
+          <p:cNvPr id="1026" name="Picture 2"/>
           <p:cNvPicPr>
             <a:picLocks noChangeAspect="1" noChangeArrowheads="1"/>
           </p:cNvPicPr>
           <p:nvPr/>
         </p:nvPicPr>
         <p:blipFill>
-          <a:blip r:embed="rId2">
+          <a:blip r:embed="rId2" cstate="print">
             <a:extLst>
               <a:ext uri="{28A0092B-C50C-407E-A947-70E740481C1C}">
                 <a14:useLocalDpi xmlns:a14="http://schemas.microsoft.com/office/drawing/2010/main" val="0"/>
@@ -14464,8 +14771,8 @@
         </p:blipFill>
         <p:spPr bwMode="auto">
           <a:xfrm>
-            <a:off x="1187624" y="2348879"/>
-            <a:ext cx="6696744" cy="4025467"/>
+            <a:off x="1691680" y="2276872"/>
+            <a:ext cx="5527973" cy="4060645"/>
           </a:xfrm>
           <a:prstGeom prst="rect">
             <a:avLst/>
@@ -14525,143 +14832,6 @@
 </p:sld>
 </file>
 
-<file path=ppt/slides/slide14.xml><?xml version="1.0" encoding="utf-8"?>
-<p:sld xmlns:a="http://schemas.openxmlformats.org/drawingml/2006/main" xmlns:r="http://schemas.openxmlformats.org/officeDocument/2006/relationships" xmlns:p="http://schemas.openxmlformats.org/presentationml/2006/main">
-  <p:cSld>
-    <p:spTree>
-      <p:nvGrpSpPr>
-        <p:cNvPr id="1" name=""/>
-        <p:cNvGrpSpPr/>
-        <p:nvPr/>
-      </p:nvGrpSpPr>
-      <p:grpSpPr>
-        <a:xfrm>
-          <a:off x="0" y="0"/>
-          <a:ext cx="0" cy="0"/>
-          <a:chOff x="0" y="0"/>
-          <a:chExt cx="0" cy="0"/>
-        </a:xfrm>
-      </p:grpSpPr>
-      <p:sp>
-        <p:nvSpPr>
-          <p:cNvPr id="2" name="Titel 1"/>
-          <p:cNvSpPr>
-            <a:spLocks noGrp="1"/>
-          </p:cNvSpPr>
-          <p:nvPr>
-            <p:ph type="title"/>
-          </p:nvPr>
-        </p:nvSpPr>
-        <p:spPr/>
-        <p:txBody>
-          <a:bodyPr>
-            <a:normAutofit/>
-          </a:bodyPr>
-          <a:lstStyle/>
-          <a:p>
-            <a:r>
-              <a:rPr lang="de-DE" sz="3200" dirty="0" smtClean="0"/>
-              <a:t>Performance</a:t>
-            </a:r>
-            <a:br>
-              <a:rPr lang="de-DE" sz="3200" dirty="0" smtClean="0"/>
-            </a:br>
-            <a:r>
-              <a:rPr lang="de-DE" sz="3200" dirty="0" smtClean="0"/>
-              <a:t>Jersey-Server + Apache CXF </a:t>
-            </a:r>
-            <a:r>
-              <a:rPr lang="de-DE" sz="3200" dirty="0" err="1" smtClean="0"/>
-              <a:t>client</a:t>
-            </a:r>
-            <a:endParaRPr lang="de-DE" sz="3200" dirty="0"/>
-          </a:p>
-        </p:txBody>
-      </p:sp>
-      <p:pic>
-        <p:nvPicPr>
-          <p:cNvPr id="2055" name="Picture 7"/>
-          <p:cNvPicPr>
-            <a:picLocks noChangeAspect="1" noChangeArrowheads="1"/>
-          </p:cNvPicPr>
-          <p:nvPr/>
-        </p:nvPicPr>
-        <p:blipFill>
-          <a:blip r:embed="rId2">
-            <a:extLst>
-              <a:ext uri="{28A0092B-C50C-407E-A947-70E740481C1C}">
-                <a14:useLocalDpi xmlns:a14="http://schemas.microsoft.com/office/drawing/2010/main" val="0"/>
-              </a:ext>
-            </a:extLst>
-          </a:blip>
-          <a:srcRect/>
-          <a:stretch>
-            <a:fillRect/>
-          </a:stretch>
-        </p:blipFill>
-        <p:spPr bwMode="auto">
-          <a:xfrm>
-            <a:off x="1187624" y="2276872"/>
-            <a:ext cx="6828150" cy="4104456"/>
-          </a:xfrm>
-          <a:prstGeom prst="rect">
-            <a:avLst/>
-          </a:prstGeom>
-          <a:noFill/>
-          <a:ln>
-            <a:noFill/>
-          </a:ln>
-          <a:effectLst/>
-          <a:extLst>
-            <a:ext uri="{909E8E84-426E-40DD-AFC4-6F175D3DCCD1}">
-              <a14:hiddenFill xmlns:a14="http://schemas.microsoft.com/office/drawing/2010/main">
-                <a:solidFill>
-                  <a:schemeClr val="accent1"/>
-                </a:solidFill>
-              </a14:hiddenFill>
-            </a:ext>
-            <a:ext uri="{91240B29-F687-4F45-9708-019B960494DF}">
-              <a14:hiddenLine xmlns:a14="http://schemas.microsoft.com/office/drawing/2010/main" w="9525">
-                <a:solidFill>
-                  <a:schemeClr val="tx1"/>
-                </a:solidFill>
-                <a:miter lim="800000"/>
-                <a:headEnd/>
-                <a:tailEnd/>
-              </a14:hiddenLine>
-            </a:ext>
-            <a:ext uri="{AF507438-7753-43E0-B8FC-AC1667EBCBE1}">
-              <a14:hiddenEffects xmlns:a14="http://schemas.microsoft.com/office/drawing/2010/main">
-                <a:effectLst>
-                  <a:outerShdw dist="35921" dir="2700000" algn="ctr" rotWithShape="0">
-                    <a:schemeClr val="bg2"/>
-                  </a:outerShdw>
-                </a:effectLst>
-              </a14:hiddenEffects>
-            </a:ext>
-          </a:extLst>
-        </p:spPr>
-      </p:pic>
-    </p:spTree>
-    <p:extLst>
-      <p:ext uri="{BB962C8B-B14F-4D97-AF65-F5344CB8AC3E}">
-        <p14:creationId xmlns:p14="http://schemas.microsoft.com/office/powerpoint/2010/main" val="382880959"/>
-      </p:ext>
-    </p:extLst>
-  </p:cSld>
-  <p:clrMapOvr>
-    <a:masterClrMapping/>
-  </p:clrMapOvr>
-  <p:timing>
-    <p:tnLst>
-      <p:par>
-        <p:cTn id="1" dur="indefinite" restart="never" nodeType="tmRoot"/>
-      </p:par>
-    </p:tnLst>
-  </p:timing>
-</p:sld>
-</file>
-
 <file path=ppt/slides/slide2.xml><?xml version="1.0" encoding="utf-8"?>
 <p:sld xmlns:a="http://schemas.openxmlformats.org/drawingml/2006/main" xmlns:r="http://schemas.openxmlformats.org/officeDocument/2006/relationships" xmlns:p="http://schemas.openxmlformats.org/presentationml/2006/main">
   <p:cSld>
@@ -14742,8 +14912,46 @@
           <a:p>
             <a:r>
               <a:rPr lang="de-DE" dirty="0" smtClean="0"/>
-              <a:t>CPPL</a:t>
-            </a:r>
+              <a:t>CDDL 1.1</a:t>
+            </a:r>
+          </a:p>
+          <a:p>
+            <a:r>
+              <a:rPr lang="de-DE" dirty="0" smtClean="0"/>
+              <a:t>GPL 2 </a:t>
+            </a:r>
+            <a:r>
+              <a:rPr lang="de-DE" dirty="0" err="1" smtClean="0"/>
+              <a:t>with</a:t>
+            </a:r>
+            <a:r>
+              <a:rPr lang="de-DE" dirty="0" smtClean="0"/>
+              <a:t> CPE</a:t>
+            </a:r>
+            <a:endParaRPr lang="de-DE" dirty="0" smtClean="0"/>
+          </a:p>
+          <a:p>
+            <a:endParaRPr lang="de-DE" dirty="0"/>
+          </a:p>
+          <a:p>
+            <a:endParaRPr lang="de-DE" dirty="0" smtClean="0"/>
+          </a:p>
+          <a:p>
+            <a:r>
+              <a:rPr lang="de-DE" dirty="0">
+                <a:hlinkClick r:id="rId2"/>
+              </a:rPr>
+              <a:t>http://jersey.java.net</a:t>
+            </a:r>
+            <a:r>
+              <a:rPr lang="de-DE" dirty="0" smtClean="0">
+                <a:hlinkClick r:id="rId2"/>
+              </a:rPr>
+              <a:t>/</a:t>
+            </a:r>
+            <a:endParaRPr lang="de-DE" dirty="0" smtClean="0"/>
+          </a:p>
+          <a:p>
             <a:endParaRPr lang="de-DE" dirty="0"/>
           </a:p>
         </p:txBody>
@@ -14806,6 +15014,29 @@
               <a:rPr lang="de-DE" dirty="0" smtClean="0"/>
               <a:t>2.0</a:t>
             </a:r>
+          </a:p>
+          <a:p>
+            <a:endParaRPr lang="de-DE" dirty="0"/>
+          </a:p>
+          <a:p>
+            <a:endParaRPr lang="de-DE" dirty="0" smtClean="0"/>
+          </a:p>
+          <a:p>
+            <a:r>
+              <a:rPr lang="de-DE" dirty="0">
+                <a:hlinkClick r:id="rId3"/>
+              </a:rPr>
+              <a:t>http://www.apache.org/licenses</a:t>
+            </a:r>
+            <a:r>
+              <a:rPr lang="de-DE" dirty="0" smtClean="0">
+                <a:hlinkClick r:id="rId3"/>
+              </a:rPr>
+              <a:t>/</a:t>
+            </a:r>
+            <a:endParaRPr lang="de-DE" dirty="0" smtClean="0"/>
+          </a:p>
+          <a:p>
             <a:endParaRPr lang="de-DE" dirty="0"/>
           </a:p>
         </p:txBody>
@@ -14905,9 +15136,23 @@
         </p:nvSpPr>
         <p:spPr/>
         <p:txBody>
-          <a:bodyPr/>
+          <a:bodyPr>
+            <a:normAutofit fontScale="92500" lnSpcReduction="20000"/>
+          </a:bodyPr>
           <a:lstStyle/>
           <a:p>
+            <a:r>
+              <a:rPr lang="de-DE" dirty="0" err="1" smtClean="0"/>
+              <a:t>Good</a:t>
+            </a:r>
+            <a:r>
+              <a:rPr lang="de-DE" dirty="0" smtClean="0"/>
+              <a:t> Wiki </a:t>
+            </a:r>
+            <a:r>
+              <a:rPr lang="de-DE" dirty="0" err="1" smtClean="0"/>
+              <a:t>documentation</a:t>
+            </a:r>
             <a:endParaRPr lang="de-DE" dirty="0"/>
           </a:p>
           <a:p>
@@ -14915,21 +15160,39 @@
           </a:p>
           <a:p>
             <a:r>
-              <a:rPr lang="de-DE">
+              <a:rPr lang="de-DE" dirty="0">
                 <a:hlinkClick r:id="rId2"/>
               </a:rPr>
               <a:t>http://</a:t>
             </a:r>
             <a:r>
-              <a:rPr lang="de-DE" smtClean="0">
+              <a:rPr lang="de-DE" dirty="0" smtClean="0">
                 <a:hlinkClick r:id="rId2"/>
               </a:rPr>
               <a:t>wikis.sun.com/display/Jersey/Overview+of+JAX-RS+1.0+Features</a:t>
             </a:r>
             <a:r>
-              <a:rPr lang="de-DE" smtClean="0"/>
+              <a:rPr lang="de-DE" dirty="0" smtClean="0"/>
               <a:t> </a:t>
             </a:r>
+            <a:endParaRPr lang="de-DE" dirty="0" smtClean="0"/>
+          </a:p>
+          <a:p>
+            <a:r>
+              <a:rPr lang="de-DE" dirty="0">
+                <a:hlinkClick r:id="rId3"/>
+              </a:rPr>
+              <a:t>http://</a:t>
+            </a:r>
+            <a:r>
+              <a:rPr lang="de-DE" dirty="0" smtClean="0">
+                <a:hlinkClick r:id="rId3"/>
+              </a:rPr>
+              <a:t>wikis.sun.com/display/Jersey/Main</a:t>
+            </a:r>
+            <a:endParaRPr lang="de-DE" dirty="0" smtClean="0"/>
+          </a:p>
+          <a:p>
             <a:endParaRPr lang="de-DE" dirty="0"/>
           </a:p>
         </p:txBody>
@@ -14970,7 +15233,7 @@
         <p:spPr/>
         <p:txBody>
           <a:bodyPr>
-            <a:normAutofit fontScale="92500"/>
+            <a:normAutofit fontScale="92500" lnSpcReduction="10000"/>
           </a:bodyPr>
           <a:lstStyle/>
           <a:p>
@@ -15017,9 +15280,12 @@
             <a:endParaRPr lang="de-DE" dirty="0" smtClean="0"/>
           </a:p>
           <a:p>
+            <a:endParaRPr lang="de-DE" dirty="0" smtClean="0"/>
+          </a:p>
+          <a:p>
             <a:r>
               <a:rPr lang="de-DE" dirty="0" smtClean="0">
-                <a:hlinkClick r:id="rId3"/>
+                <a:hlinkClick r:id="rId4"/>
               </a:rPr>
               <a:t>http://cxf.apache.org/docs/index.html</a:t>
             </a:r>
@@ -15028,7 +15294,7 @@
           <a:p>
             <a:r>
               <a:rPr lang="de-DE" dirty="0" smtClean="0">
-                <a:hlinkClick r:id="rId4"/>
+                <a:hlinkClick r:id="rId5"/>
               </a:rPr>
               <a:t>http://cxf.apache.org/docs/jax-rs.html</a:t>
             </a:r>
@@ -15155,6 +15421,8 @@
               <a:rPr lang="de-DE" dirty="0" smtClean="0"/>
               <a:t>Yes</a:t>
             </a:r>
+          </a:p>
+          <a:p>
             <a:endParaRPr lang="de-DE" dirty="0" smtClean="0">
               <a:hlinkClick r:id="rId2"/>
             </a:endParaRPr>
@@ -15228,6 +15496,26 @@
               <a:rPr lang="de-DE" dirty="0" smtClean="0"/>
               <a:t>Yes</a:t>
             </a:r>
+          </a:p>
+          <a:p>
+            <a:endParaRPr lang="de-DE" dirty="0"/>
+          </a:p>
+          <a:p>
+            <a:r>
+              <a:rPr lang="de-DE" dirty="0">
+                <a:hlinkClick r:id="rId3"/>
+              </a:rPr>
+              <a:t>http://</a:t>
+            </a:r>
+            <a:r>
+              <a:rPr lang="de-DE" dirty="0" smtClean="0">
+                <a:hlinkClick r:id="rId3"/>
+              </a:rPr>
+              <a:t>cxf.apache.org/docs/jax-rs.html#JAX-RS-Mavendependencies</a:t>
+            </a:r>
+            <a:endParaRPr lang="de-DE" dirty="0" smtClean="0"/>
+          </a:p>
+          <a:p>
             <a:endParaRPr lang="de-DE" dirty="0"/>
           </a:p>
         </p:txBody>
@@ -15335,8 +15623,8 @@
           <a:lstStyle/>
           <a:p>
             <a:r>
-              <a:rPr lang="de-DE" dirty="0" smtClean="0"/>
-              <a:t>???</a:t>
+              <a:rPr lang="de-DE" dirty="0" err="1" smtClean="0"/>
+              <a:t>no</a:t>
             </a:r>
             <a:endParaRPr lang="de-DE" dirty="0"/>
           </a:p>
@@ -15500,13 +15788,111 @@
         </p:nvSpPr>
         <p:spPr/>
         <p:txBody>
-          <a:bodyPr/>
+          <a:bodyPr>
+            <a:normAutofit fontScale="77500" lnSpcReduction="20000"/>
+          </a:bodyPr>
           <a:lstStyle/>
           <a:p>
             <a:r>
+              <a:rPr lang="de-DE" dirty="0" err="1" smtClean="0"/>
+              <a:t>Only</a:t>
+            </a:r>
+            <a:r>
               <a:rPr lang="de-DE" dirty="0" smtClean="0"/>
-              <a:t>???</a:t>
-            </a:r>
+              <a:t> http </a:t>
+            </a:r>
+            <a:r>
+              <a:rPr lang="de-DE" dirty="0" err="1" smtClean="0"/>
+              <a:t>centric</a:t>
+            </a:r>
+            <a:endParaRPr lang="de-DE" dirty="0" smtClean="0"/>
+          </a:p>
+          <a:p>
+            <a:r>
+              <a:rPr lang="de-DE" dirty="0" smtClean="0"/>
+              <a:t>Proxy </a:t>
+            </a:r>
+            <a:r>
+              <a:rPr lang="de-DE" dirty="0" err="1" smtClean="0"/>
+              <a:t>based</a:t>
+            </a:r>
+            <a:r>
+              <a:rPr lang="de-DE" dirty="0" smtClean="0"/>
+              <a:t> in experimental </a:t>
+            </a:r>
+            <a:r>
+              <a:rPr lang="de-DE" dirty="0" err="1" smtClean="0"/>
+              <a:t>state</a:t>
+            </a:r>
+            <a:r>
+              <a:rPr lang="de-DE" dirty="0" smtClean="0"/>
+              <a:t> </a:t>
+            </a:r>
+            <a:r>
+              <a:rPr lang="de-DE" dirty="0" err="1" smtClean="0"/>
+              <a:t>using</a:t>
+            </a:r>
+            <a:r>
+              <a:rPr lang="de-DE" dirty="0" smtClean="0"/>
+              <a:t> </a:t>
+            </a:r>
+            <a:r>
+              <a:rPr lang="de-DE" dirty="0" err="1" smtClean="0"/>
+              <a:t>own</a:t>
+            </a:r>
+            <a:r>
+              <a:rPr lang="de-DE" dirty="0" smtClean="0"/>
+              <a:t> </a:t>
+            </a:r>
+            <a:r>
+              <a:rPr lang="de-DE" dirty="0" err="1" smtClean="0"/>
+              <a:t>annotations</a:t>
+            </a:r>
+            <a:r>
+              <a:rPr lang="de-DE" dirty="0" smtClean="0"/>
+              <a:t> </a:t>
+            </a:r>
+            <a:r>
+              <a:rPr lang="de-DE" dirty="0" err="1" smtClean="0"/>
+              <a:t>related</a:t>
+            </a:r>
+            <a:r>
+              <a:rPr lang="de-DE" dirty="0" smtClean="0"/>
+              <a:t> </a:t>
+            </a:r>
+            <a:r>
+              <a:rPr lang="de-DE" dirty="0" err="1" smtClean="0"/>
+              <a:t>to</a:t>
+            </a:r>
+            <a:r>
+              <a:rPr lang="de-DE" dirty="0" smtClean="0"/>
+              <a:t> „@</a:t>
+            </a:r>
+            <a:r>
+              <a:rPr lang="de-DE" dirty="0" err="1" smtClean="0"/>
+              <a:t>HypermediaController</a:t>
+            </a:r>
+            <a:r>
+              <a:rPr lang="de-DE" dirty="0" smtClean="0"/>
+              <a:t>“</a:t>
+            </a:r>
+          </a:p>
+          <a:p>
+            <a:r>
+              <a:rPr lang="de-DE" dirty="0">
+                <a:hlinkClick r:id="rId2"/>
+              </a:rPr>
+              <a:t>http://</a:t>
+            </a:r>
+            <a:r>
+              <a:rPr lang="de-DE" dirty="0" smtClean="0">
+                <a:hlinkClick r:id="rId2"/>
+              </a:rPr>
+              <a:t>jersey.java.net/nonav/documentation/latest/experimental.html</a:t>
+            </a:r>
+            <a:endParaRPr lang="de-DE" dirty="0" smtClean="0"/>
+          </a:p>
+          <a:p>
             <a:endParaRPr lang="de-DE" dirty="0"/>
           </a:p>
         </p:txBody>
@@ -15546,12 +15932,48 @@
         </p:nvSpPr>
         <p:spPr/>
         <p:txBody>
-          <a:bodyPr/>
+          <a:bodyPr>
+            <a:normAutofit fontScale="92500" lnSpcReduction="20000"/>
+          </a:bodyPr>
           <a:lstStyle/>
           <a:p>
             <a:r>
               <a:rPr lang="de-DE" dirty="0" smtClean="0"/>
-              <a:t>Same </a:t>
+              <a:t>Http </a:t>
+            </a:r>
+            <a:r>
+              <a:rPr lang="de-DE" dirty="0" err="1" smtClean="0"/>
+              <a:t>centric</a:t>
+            </a:r>
+            <a:r>
+              <a:rPr lang="de-DE" dirty="0" smtClean="0"/>
+              <a:t> </a:t>
+            </a:r>
+            <a:r>
+              <a:rPr lang="de-DE" dirty="0" err="1" smtClean="0"/>
+              <a:t>and</a:t>
+            </a:r>
+            <a:endParaRPr lang="de-DE" dirty="0" smtClean="0"/>
+          </a:p>
+          <a:p>
+            <a:r>
+              <a:rPr lang="de-DE" dirty="0" smtClean="0"/>
+              <a:t>Proxy </a:t>
+            </a:r>
+            <a:r>
+              <a:rPr lang="de-DE" dirty="0" err="1" smtClean="0"/>
+              <a:t>based</a:t>
+            </a:r>
+            <a:r>
+              <a:rPr lang="de-DE" dirty="0" smtClean="0"/>
+              <a:t/>
+            </a:r>
+            <a:br>
+              <a:rPr lang="de-DE" dirty="0" smtClean="0"/>
+            </a:br>
+            <a:r>
+              <a:rPr lang="de-DE" dirty="0" smtClean="0"/>
+              <a:t>&gt; Same </a:t>
             </a:r>
             <a:r>
               <a:rPr lang="de-DE" dirty="0" err="1" smtClean="0"/>
@@ -15613,7 +16035,7 @@
           <a:p>
             <a:r>
               <a:rPr lang="de-DE" dirty="0" smtClean="0">
-                <a:hlinkClick r:id="rId2"/>
+                <a:hlinkClick r:id="rId3"/>
               </a:rPr>
               <a:t>http://cxf.apache.org/docs/jax-rs-client-api.html</a:t>
             </a:r>
@@ -15793,6 +16215,10 @@
           <a:bodyPr/>
           <a:lstStyle/>
           <a:p>
+            <a:r>
+              <a:rPr lang="de-DE" dirty="0" smtClean="0"/>
+              <a:t>???</a:t>
+            </a:r>
             <a:endParaRPr lang="de-DE" dirty="0" smtClean="0"/>
           </a:p>
           <a:p>
@@ -16324,7 +16750,7 @@
         <p:spPr/>
         <p:txBody>
           <a:bodyPr>
-            <a:normAutofit fontScale="92500" lnSpcReduction="20000"/>
+            <a:normAutofit fontScale="92500" lnSpcReduction="10000"/>
           </a:bodyPr>
           <a:lstStyle/>
           <a:p>
@@ -16337,18 +16763,17 @@
             <a:endParaRPr lang="de-DE" dirty="0"/>
           </a:p>
           <a:p>
-            <a:r>
-              <a:rPr lang="de-DE" dirty="0" smtClean="0"/>
-              <a:t>Client:</a:t>
-            </a:r>
-            <a:br>
-              <a:rPr lang="de-DE" dirty="0" smtClean="0"/>
-            </a:br>
             <a:r>
               <a:rPr lang="de-DE" dirty="0" smtClean="0">
                 <a:hlinkClick r:id="rId3"/>
               </a:rPr>
-              <a:t>http://cxf.apache.org/docs/jax-rs-client-api.html#JAX-RSClientAPI-ConfiguringproxiesinSpring</a:t>
+              <a:t>http</a:t>
+            </a:r>
+            <a:r>
+              <a:rPr lang="de-DE" dirty="0" smtClean="0">
+                <a:hlinkClick r:id="rId3"/>
+              </a:rPr>
+              <a:t>://cxf.apache.org/docs/jax-rs-client-api.html#JAX-RSClientAPI-ConfiguringproxiesinSpring</a:t>
             </a:r>
             <a:endParaRPr lang="de-DE" dirty="0" smtClean="0"/>
           </a:p>
